--- a/brWheel_my/wirings/bts7960_wiring_diagram.pptx
+++ b/brWheel_my/wirings/bts7960_wiring_diagram.pptx
@@ -241,7 +241,7 @@
           <a:p>
             <a:fld id="{A398FB1A-F8C3-427F-BE44-B87966AC4D7F}" type="datetimeFigureOut">
               <a:rPr lang="en-US" smtClean="0"/>
-              <a:t>23-Jun-22</a:t>
+              <a:t>10-Sep-24</a:t>
             </a:fld>
             <a:endParaRPr lang="en-US"/>
           </a:p>
@@ -409,7 +409,7 @@
           <a:p>
             <a:fld id="{A398FB1A-F8C3-427F-BE44-B87966AC4D7F}" type="datetimeFigureOut">
               <a:rPr lang="en-US" smtClean="0"/>
-              <a:t>23-Jun-22</a:t>
+              <a:t>10-Sep-24</a:t>
             </a:fld>
             <a:endParaRPr lang="en-US"/>
           </a:p>
@@ -587,7 +587,7 @@
           <a:p>
             <a:fld id="{A398FB1A-F8C3-427F-BE44-B87966AC4D7F}" type="datetimeFigureOut">
               <a:rPr lang="en-US" smtClean="0"/>
-              <a:t>23-Jun-22</a:t>
+              <a:t>10-Sep-24</a:t>
             </a:fld>
             <a:endParaRPr lang="en-US"/>
           </a:p>
@@ -755,7 +755,7 @@
           <a:p>
             <a:fld id="{A398FB1A-F8C3-427F-BE44-B87966AC4D7F}" type="datetimeFigureOut">
               <a:rPr lang="en-US" smtClean="0"/>
-              <a:t>23-Jun-22</a:t>
+              <a:t>10-Sep-24</a:t>
             </a:fld>
             <a:endParaRPr lang="en-US"/>
           </a:p>
@@ -1000,7 +1000,7 @@
           <a:p>
             <a:fld id="{A398FB1A-F8C3-427F-BE44-B87966AC4D7F}" type="datetimeFigureOut">
               <a:rPr lang="en-US" smtClean="0"/>
-              <a:t>23-Jun-22</a:t>
+              <a:t>10-Sep-24</a:t>
             </a:fld>
             <a:endParaRPr lang="en-US"/>
           </a:p>
@@ -1229,7 +1229,7 @@
           <a:p>
             <a:fld id="{A398FB1A-F8C3-427F-BE44-B87966AC4D7F}" type="datetimeFigureOut">
               <a:rPr lang="en-US" smtClean="0"/>
-              <a:t>23-Jun-22</a:t>
+              <a:t>10-Sep-24</a:t>
             </a:fld>
             <a:endParaRPr lang="en-US"/>
           </a:p>
@@ -1593,7 +1593,7 @@
           <a:p>
             <a:fld id="{A398FB1A-F8C3-427F-BE44-B87966AC4D7F}" type="datetimeFigureOut">
               <a:rPr lang="en-US" smtClean="0"/>
-              <a:t>23-Jun-22</a:t>
+              <a:t>10-Sep-24</a:t>
             </a:fld>
             <a:endParaRPr lang="en-US"/>
           </a:p>
@@ -1710,7 +1710,7 @@
           <a:p>
             <a:fld id="{A398FB1A-F8C3-427F-BE44-B87966AC4D7F}" type="datetimeFigureOut">
               <a:rPr lang="en-US" smtClean="0"/>
-              <a:t>23-Jun-22</a:t>
+              <a:t>10-Sep-24</a:t>
             </a:fld>
             <a:endParaRPr lang="en-US"/>
           </a:p>
@@ -1805,7 +1805,7 @@
           <a:p>
             <a:fld id="{A398FB1A-F8C3-427F-BE44-B87966AC4D7F}" type="datetimeFigureOut">
               <a:rPr lang="en-US" smtClean="0"/>
-              <a:t>23-Jun-22</a:t>
+              <a:t>10-Sep-24</a:t>
             </a:fld>
             <a:endParaRPr lang="en-US"/>
           </a:p>
@@ -2080,7 +2080,7 @@
           <a:p>
             <a:fld id="{A398FB1A-F8C3-427F-BE44-B87966AC4D7F}" type="datetimeFigureOut">
               <a:rPr lang="en-US" smtClean="0"/>
-              <a:t>23-Jun-22</a:t>
+              <a:t>10-Sep-24</a:t>
             </a:fld>
             <a:endParaRPr lang="en-US"/>
           </a:p>
@@ -2332,7 +2332,7 @@
           <a:p>
             <a:fld id="{A398FB1A-F8C3-427F-BE44-B87966AC4D7F}" type="datetimeFigureOut">
               <a:rPr lang="en-US" smtClean="0"/>
-              <a:t>23-Jun-22</a:t>
+              <a:t>10-Sep-24</a:t>
             </a:fld>
             <a:endParaRPr lang="en-US"/>
           </a:p>
@@ -2543,7 +2543,7 @@
           <a:p>
             <a:fld id="{A398FB1A-F8C3-427F-BE44-B87966AC4D7F}" type="datetimeFigureOut">
               <a:rPr lang="en-US" smtClean="0"/>
-              <a:t>23-Jun-22</a:t>
+              <a:t>10-Sep-24</a:t>
             </a:fld>
             <a:endParaRPr lang="en-US"/>
           </a:p>
@@ -3001,14 +3001,10 @@
           <a:p>
             <a:r>
               <a:rPr lang="en-US" dirty="0"/>
-              <a:t>Arduino </a:t>
-            </a:r>
-            <a:r>
-              <a:rPr lang="en-US" dirty="0" smtClean="0"/>
-              <a:t>Leonardo, Micro or </a:t>
-            </a:r>
-            <a:r>
-              <a:rPr lang="en-US" dirty="0" err="1" smtClean="0"/>
+              <a:t>Arduino Leonardo, Micro or </a:t>
+            </a:r>
+            <a:r>
+              <a:rPr lang="en-US" dirty="0" err="1"/>
               <a:t>ProMicro</a:t>
             </a:r>
             <a:endParaRPr lang="en-US" dirty="0"/>
@@ -3053,48 +3049,15 @@
       <p:cxnSp>
         <p:nvCxnSpPr>
           <p:cNvPr id="47" name="Straight Connector 46"/>
-          <p:cNvCxnSpPr/>
+          <p:cNvCxnSpPr>
+            <a:cxnSpLocks/>
+          </p:cNvCxnSpPr>
           <p:nvPr/>
         </p:nvCxnSpPr>
         <p:spPr>
-          <a:xfrm>
-            <a:off x="616193" y="3860369"/>
-            <a:ext cx="0" cy="1969409"/>
-          </a:xfrm>
-          <a:prstGeom prst="line">
-            <a:avLst/>
-          </a:prstGeom>
-          <a:ln w="38100">
-            <a:solidFill>
-              <a:srgbClr val="FF0000"/>
-            </a:solidFill>
-          </a:ln>
-        </p:spPr>
-        <p:style>
-          <a:lnRef idx="1">
-            <a:schemeClr val="accent1"/>
-          </a:lnRef>
-          <a:fillRef idx="0">
-            <a:schemeClr val="accent1"/>
-          </a:fillRef>
-          <a:effectRef idx="0">
-            <a:schemeClr val="accent1"/>
-          </a:effectRef>
-          <a:fontRef idx="minor">
-            <a:schemeClr val="tx1"/>
-          </a:fontRef>
-        </p:style>
-      </p:cxnSp>
-      <p:cxnSp>
-        <p:nvCxnSpPr>
-          <p:cNvPr id="51" name="Straight Connector 50"/>
-          <p:cNvCxnSpPr/>
-          <p:nvPr/>
-        </p:nvCxnSpPr>
-        <p:spPr>
-          <a:xfrm>
-            <a:off x="4324865" y="3446310"/>
-            <a:ext cx="8238" cy="2395544"/>
+          <a:xfrm flipV="1">
+            <a:off x="612485" y="2449678"/>
+            <a:ext cx="0" cy="1410691"/>
           </a:xfrm>
           <a:prstGeom prst="line">
             <a:avLst/>
@@ -3123,13 +3086,15 @@
       <p:cxnSp>
         <p:nvCxnSpPr>
           <p:cNvPr id="56" name="Straight Connector 55"/>
-          <p:cNvCxnSpPr/>
+          <p:cNvCxnSpPr>
+            <a:cxnSpLocks/>
+          </p:cNvCxnSpPr>
           <p:nvPr/>
         </p:nvCxnSpPr>
         <p:spPr>
-          <a:xfrm flipH="1" flipV="1">
-            <a:off x="599717" y="5829778"/>
-            <a:ext cx="3725149" cy="1248"/>
+          <a:xfrm flipH="1">
+            <a:off x="617108" y="2463113"/>
+            <a:ext cx="4456349" cy="0"/>
           </a:xfrm>
           <a:prstGeom prst="line">
             <a:avLst/>
@@ -3179,18 +3144,9 @@
           <a:p>
             <a:pPr algn="ctr"/>
             <a:r>
-              <a:rPr lang="en-US" dirty="0" smtClean="0"/>
-              <a:t>Wiring diagram </a:t>
-            </a:r>
-            <a:r>
               <a:rPr lang="en-US" dirty="0"/>
-              <a:t>for </a:t>
-            </a:r>
-            <a:r>
-              <a:rPr lang="en-US" dirty="0" smtClean="0"/>
-              <a:t>H-bridge motor driver (valid for all firmware in PWM± mode, except fw-vXX3)</a:t>
-            </a:r>
-            <a:endParaRPr lang="en-US" dirty="0"/>
+              <a:t>Wiring diagram for H-bridge motor driver (valid for firmware in PWM± mode, except fw-vXX3)</a:t>
+            </a:r>
           </a:p>
         </p:txBody>
       </p:sp>
@@ -3217,31 +3173,30 @@
           <a:lstStyle/>
           <a:p>
             <a:r>
-              <a:rPr lang="en-US" sz="1400" dirty="0" smtClean="0"/>
+              <a:rPr lang="en-US" sz="1400" dirty="0"/>
               <a:t>B- </a:t>
             </a:r>
           </a:p>
           <a:p>
             <a:r>
-              <a:rPr lang="en-US" sz="1400" dirty="0" smtClean="0"/>
+              <a:rPr lang="en-US" sz="1400" dirty="0"/>
               <a:t>B+</a:t>
             </a:r>
           </a:p>
           <a:p>
-            <a:endParaRPr lang="en-US" sz="1400" dirty="0" smtClean="0"/>
-          </a:p>
-          <a:p>
-            <a:r>
-              <a:rPr lang="en-US" sz="1400" dirty="0" smtClean="0"/>
+            <a:endParaRPr lang="en-US" sz="1400" dirty="0"/>
+          </a:p>
+          <a:p>
+            <a:r>
+              <a:rPr lang="en-US" sz="1400" dirty="0"/>
               <a:t>M+</a:t>
             </a:r>
           </a:p>
           <a:p>
             <a:r>
-              <a:rPr lang="en-US" sz="1400" dirty="0" smtClean="0"/>
+              <a:rPr lang="en-US" sz="1400" dirty="0"/>
               <a:t>M-</a:t>
             </a:r>
-            <a:endParaRPr lang="en-US" sz="1400" dirty="0"/>
           </a:p>
         </p:txBody>
       </p:sp>
@@ -3268,16 +3223,15 @@
           <a:lstStyle/>
           <a:p>
             <a:r>
-              <a:rPr lang="en-US" sz="1400" i="1" dirty="0" smtClean="0"/>
+              <a:rPr lang="en-US" sz="1400" i="1" dirty="0"/>
               <a:t>BTS7960 or any other 2 channel H-bridge</a:t>
             </a:r>
           </a:p>
           <a:p>
             <a:r>
-              <a:rPr lang="en-US" sz="1400" i="1" dirty="0" smtClean="0"/>
+              <a:rPr lang="en-US" sz="1400" i="1" dirty="0"/>
               <a:t>motor driver with PWM inputs</a:t>
             </a:r>
-            <a:endParaRPr lang="en-US" sz="1400" i="1" dirty="0"/>
           </a:p>
         </p:txBody>
       </p:sp>
@@ -3289,8 +3243,8 @@
         </p:nvSpPr>
         <p:spPr>
           <a:xfrm>
-            <a:off x="8967188" y="1332541"/>
-            <a:ext cx="3097579" cy="3323987"/>
+            <a:off x="8630765" y="875341"/>
+            <a:ext cx="3663952" cy="4616648"/>
           </a:xfrm>
           <a:prstGeom prst="rect">
             <a:avLst/>
@@ -3304,50 +3258,80 @@
           <a:lstStyle/>
           <a:p>
             <a:r>
-              <a:rPr lang="en-US" sz="1400" dirty="0" smtClean="0"/>
-              <a:t>Standard pinouts:</a:t>
-            </a:r>
-          </a:p>
-          <a:p>
-            <a:r>
-              <a:rPr lang="en-US" sz="1400" dirty="0" smtClean="0"/>
+              <a:rPr lang="en-US" sz="1400" dirty="0"/>
               <a:t>Arduino	BTS7960 (pin)</a:t>
             </a:r>
           </a:p>
           <a:p>
             <a:r>
-              <a:rPr lang="en-US" sz="1400" dirty="0" smtClean="0"/>
+              <a:rPr lang="en-US" sz="1400" dirty="0"/>
               <a:t>GND	GND (8)</a:t>
             </a:r>
           </a:p>
           <a:p>
             <a:r>
-              <a:rPr lang="en-US" sz="1400" dirty="0" smtClean="0"/>
+              <a:rPr lang="en-US" sz="1400" dirty="0"/>
+              <a:t>9	LPWM (2)</a:t>
+            </a:r>
+          </a:p>
+          <a:p>
+            <a:r>
+              <a:rPr lang="en-US" sz="1400" dirty="0"/>
+              <a:t>10                  RPWM (1)</a:t>
+            </a:r>
+          </a:p>
+          <a:p>
+            <a:r>
+              <a:rPr lang="en-US" sz="1400" dirty="0"/>
+              <a:t>[1] Standard pinouts:</a:t>
+            </a:r>
+          </a:p>
+          <a:p>
+            <a:r>
+              <a:rPr lang="en-US" sz="1400" dirty="0"/>
               <a:t>5V	VCC (7), R_EN (3), L_EN (4)</a:t>
             </a:r>
           </a:p>
           <a:p>
             <a:r>
-              <a:rPr lang="en-US" sz="1400" dirty="0" smtClean="0"/>
-              <a:t>9	LPWM (2)</a:t>
-            </a:r>
-          </a:p>
-          <a:p>
-            <a:r>
-              <a:rPr lang="en-US" sz="1400" dirty="0" smtClean="0"/>
-              <a:t>10	RPWM (1)</a:t>
+              <a:rPr lang="en-US" sz="1400" dirty="0"/>
+              <a:t>[2] Advanced pinouts (fw-v24X only):</a:t>
+            </a:r>
+          </a:p>
+          <a:p>
+            <a:r>
+              <a:rPr lang="en-US" sz="1400" dirty="0"/>
+              <a:t>5V                  VCC(7)</a:t>
             </a:r>
           </a:p>
           <a:p>
             <a:pPr marL="342900" indent="-342900">
-              <a:buAutoNum type="arabicPlain" startAt="10"/>
+              <a:buAutoNum type="arabicPlain" startAt="11"/>
             </a:pPr>
+            <a:r>
+              <a:rPr lang="en-US" sz="1400" dirty="0"/>
+              <a:t>              R_EN (3), L_EN (4)</a:t>
+            </a:r>
+          </a:p>
+          <a:p>
+            <a:r>
+              <a:rPr lang="en-US" sz="1400" dirty="0"/>
+              <a:t>[3] Wiring trick pinout:</a:t>
+            </a:r>
+          </a:p>
+          <a:p>
+            <a:r>
+              <a:rPr lang="en-US" sz="1400" dirty="0"/>
+              <a:t>none             VCC (7), R_EN (3), L_EN (4)</a:t>
+            </a:r>
+          </a:p>
+          <a:p>
             <a:endParaRPr lang="en-US" sz="1400" dirty="0"/>
           </a:p>
           <a:p>
             <a:r>
               <a:rPr lang="en-US" sz="1400" dirty="0"/>
-              <a:t>BTS7960 pins:</a:t>
+              <a:t>BTS7960 pin description:</a:t>
             </a:r>
           </a:p>
           <a:p>
@@ -3359,21 +3343,25 @@
           <a:p>
             <a:r>
               <a:rPr lang="en-US" sz="1400" dirty="0"/>
-              <a:t>M+, M- </a:t>
-            </a:r>
-            <a:r>
-              <a:rPr lang="en-US" sz="1400" dirty="0" smtClean="0"/>
-              <a:t>DC motor </a:t>
-            </a:r>
+              <a:t>M+, M- DC motor output (max 300W)</a:t>
+            </a:r>
+          </a:p>
+          <a:p>
             <a:r>
               <a:rPr lang="en-US" sz="1400" dirty="0"/>
-              <a:t>output (max 300W)</a:t>
+              <a:t>GND common ground, VCC digital power supply</a:t>
             </a:r>
           </a:p>
           <a:p>
             <a:r>
               <a:rPr lang="en-US" sz="1400" dirty="0"/>
-              <a:t>R_IS, L_IS are current shunt outputs</a:t>
+              <a:t>R_EN(3), L_EN(4) motor (PWM) enable pins</a:t>
+            </a:r>
+          </a:p>
+          <a:p>
+            <a:r>
+              <a:rPr lang="en-US" sz="1400" dirty="0"/>
+              <a:t>R_IS(5), L_IS(6) are current shunt outputs</a:t>
             </a:r>
           </a:p>
           <a:p>
@@ -3393,9 +3381,6 @@
               <a:rPr lang="en-US" sz="1400" dirty="0"/>
               <a:t>have to connect a shunt resistor to each</a:t>
             </a:r>
-          </a:p>
-          <a:p>
-            <a:endParaRPr lang="en-US" sz="1400" dirty="0" smtClean="0"/>
           </a:p>
         </p:txBody>
       </p:sp>
@@ -3445,7 +3430,9 @@
           </a:prstGeom>
           <a:ln w="38100">
             <a:solidFill>
-              <a:schemeClr val="tx1"/>
+              <a:schemeClr val="bg2">
+                <a:lumMod val="50000"/>
+              </a:schemeClr>
             </a:solidFill>
           </a:ln>
         </p:spPr>
@@ -3467,13 +3454,16 @@
       <p:cxnSp>
         <p:nvCxnSpPr>
           <p:cNvPr id="86" name="Straight Connector 85"/>
-          <p:cNvCxnSpPr/>
+          <p:cNvCxnSpPr>
+            <a:cxnSpLocks/>
+            <a:endCxn id="191" idx="2"/>
+          </p:cNvCxnSpPr>
           <p:nvPr/>
         </p:nvCxnSpPr>
         <p:spPr>
-          <a:xfrm>
-            <a:off x="4306123" y="3446310"/>
-            <a:ext cx="1204636" cy="0"/>
+          <a:xfrm flipV="1">
+            <a:off x="5108403" y="3445521"/>
+            <a:ext cx="243564" cy="3323"/>
           </a:xfrm>
           <a:prstGeom prst="line">
             <a:avLst/>
@@ -3682,8 +3672,8 @@
         </p:nvSpPr>
         <p:spPr>
           <a:xfrm>
-            <a:off x="5291412" y="4309933"/>
-            <a:ext cx="2643737" cy="1815882"/>
+            <a:off x="5269428" y="4198603"/>
+            <a:ext cx="2933367" cy="1815882"/>
           </a:xfrm>
           <a:prstGeom prst="rect">
             <a:avLst/>
@@ -3697,61 +3687,53 @@
           <a:lstStyle/>
           <a:p>
             <a:r>
-              <a:rPr lang="en-US" sz="1400" i="1" dirty="0" smtClean="0"/>
+              <a:rPr lang="en-US" sz="1400" i="1" dirty="0"/>
               <a:t>If your motor is very hard to turn</a:t>
             </a:r>
           </a:p>
           <a:p>
             <a:r>
-              <a:rPr lang="en-US" sz="1400" i="1" dirty="0" smtClean="0"/>
+              <a:rPr lang="en-US" sz="1400" i="1" dirty="0"/>
               <a:t>by hand when there is no PWM</a:t>
             </a:r>
           </a:p>
           <a:p>
             <a:r>
-              <a:rPr lang="en-US" sz="1400" i="1" dirty="0" smtClean="0"/>
+              <a:rPr lang="en-US" sz="1400" i="1" dirty="0"/>
               <a:t>signal input, then you may</a:t>
             </a:r>
           </a:p>
           <a:p>
             <a:r>
-              <a:rPr lang="en-US" sz="1400" i="1" dirty="0" smtClean="0"/>
-              <a:t>try the wiring trick by shorting</a:t>
-            </a:r>
-          </a:p>
-          <a:p>
-            <a:r>
-              <a:rPr lang="en-US" sz="1400" i="1" dirty="0" smtClean="0"/>
-              <a:t>BTS pins </a:t>
-            </a:r>
-            <a:r>
-              <a:rPr lang="en-US" sz="1400" dirty="0" smtClean="0"/>
+              <a:rPr lang="en-US" sz="1400" i="1" dirty="0"/>
+              <a:t>try the pinout [2] or [3].</a:t>
+            </a:r>
+          </a:p>
+          <a:p>
+            <a:r>
+              <a:rPr lang="en-US" sz="1400" i="1" dirty="0"/>
+              <a:t>[3] shorting BTS pins </a:t>
+            </a:r>
+            <a:r>
+              <a:rPr lang="en-US" sz="1400" dirty="0"/>
               <a:t>VCC, R_EN, L_EN</a:t>
             </a:r>
           </a:p>
           <a:p>
             <a:r>
-              <a:rPr lang="en-US" sz="1400" i="1" dirty="0" smtClean="0"/>
+              <a:rPr lang="en-US" sz="1400" i="1" dirty="0"/>
               <a:t>together and leave them floating!</a:t>
             </a:r>
           </a:p>
           <a:p>
             <a:r>
-              <a:rPr lang="en-US" sz="1400" i="1" dirty="0" smtClean="0">
-                <a:solidFill>
-                  <a:srgbClr val="FF0000"/>
-                </a:solidFill>
-              </a:rPr>
-              <a:t>*</a:t>
-            </a:r>
-            <a:r>
-              <a:rPr lang="en-US" sz="1400" i="1" dirty="0" smtClean="0"/>
+              <a:rPr lang="en-US" sz="1400" i="1" dirty="0"/>
               <a:t> floating means not connected</a:t>
             </a:r>
           </a:p>
           <a:p>
             <a:r>
-              <a:rPr lang="en-US" sz="1400" i="1" dirty="0" smtClean="0"/>
+              <a:rPr lang="en-US" sz="1400" i="1" dirty="0"/>
               <a:t>anywhere (no voltage on them)</a:t>
             </a:r>
           </a:p>
@@ -3760,13 +3742,15 @@
       <p:cxnSp>
         <p:nvCxnSpPr>
           <p:cNvPr id="131" name="Straight Connector 130"/>
-          <p:cNvCxnSpPr/>
+          <p:cNvCxnSpPr>
+            <a:cxnSpLocks/>
+          </p:cNvCxnSpPr>
           <p:nvPr/>
         </p:nvCxnSpPr>
         <p:spPr>
           <a:xfrm>
-            <a:off x="5490910" y="3133452"/>
-            <a:ext cx="824" cy="297086"/>
+            <a:off x="5397962" y="2806863"/>
+            <a:ext cx="0" cy="304718"/>
           </a:xfrm>
           <a:prstGeom prst="line">
             <a:avLst/>
@@ -3795,13 +3779,16 @@
       <p:cxnSp>
         <p:nvCxnSpPr>
           <p:cNvPr id="132" name="Straight Connector 131"/>
-          <p:cNvCxnSpPr/>
+          <p:cNvCxnSpPr>
+            <a:cxnSpLocks/>
+            <a:stCxn id="32" idx="6"/>
+          </p:cNvCxnSpPr>
           <p:nvPr/>
         </p:nvCxnSpPr>
         <p:spPr>
           <a:xfrm>
-            <a:off x="5390856" y="3136180"/>
-            <a:ext cx="105279" cy="0"/>
+            <a:off x="5098901" y="2822502"/>
+            <a:ext cx="293511" cy="0"/>
           </a:xfrm>
           <a:prstGeom prst="line">
             <a:avLst/>
@@ -3835,7 +3822,7 @@
         </p:nvSpPr>
         <p:spPr>
           <a:xfrm>
-            <a:off x="9483866" y="5104574"/>
+            <a:off x="9311340" y="6044850"/>
             <a:ext cx="161840" cy="420786"/>
           </a:xfrm>
           <a:prstGeom prst="rect">
@@ -3881,7 +3868,7 @@
         </p:nvCxnSpPr>
         <p:spPr>
           <a:xfrm>
-            <a:off x="9416979" y="5718861"/>
+            <a:off x="9244453" y="6659137"/>
             <a:ext cx="295614" cy="2056"/>
           </a:xfrm>
           <a:prstGeom prst="line">
@@ -3916,7 +3903,7 @@
         </p:nvCxnSpPr>
         <p:spPr>
           <a:xfrm flipV="1">
-            <a:off x="9481112" y="5804932"/>
+            <a:off x="9308586" y="6745208"/>
             <a:ext cx="161840" cy="2266"/>
           </a:xfrm>
           <a:prstGeom prst="line">
@@ -3951,7 +3938,7 @@
         </p:nvCxnSpPr>
         <p:spPr>
           <a:xfrm>
-            <a:off x="9534660" y="5891060"/>
+            <a:off x="9362134" y="6831336"/>
             <a:ext cx="57309" cy="0"/>
           </a:xfrm>
           <a:prstGeom prst="line">
@@ -3988,7 +3975,7 @@
         </p:nvCxnSpPr>
         <p:spPr>
           <a:xfrm flipH="1">
-            <a:off x="9563710" y="5525360"/>
+            <a:off x="9391184" y="6465636"/>
             <a:ext cx="1076" cy="182799"/>
           </a:xfrm>
           <a:prstGeom prst="line">
@@ -4023,7 +4010,7 @@
         </p:nvCxnSpPr>
         <p:spPr>
           <a:xfrm flipH="1">
-            <a:off x="9556692" y="4916424"/>
+            <a:off x="9384166" y="5856700"/>
             <a:ext cx="1076" cy="182799"/>
           </a:xfrm>
           <a:prstGeom prst="line">
@@ -4058,7 +4045,7 @@
         </p:nvSpPr>
         <p:spPr>
           <a:xfrm>
-            <a:off x="9645706" y="5130301"/>
+            <a:off x="9473180" y="6070577"/>
             <a:ext cx="381836" cy="338554"/>
           </a:xfrm>
           <a:prstGeom prst="rect">
@@ -4073,10 +4060,9 @@
           <a:lstStyle/>
           <a:p>
             <a:r>
-              <a:rPr lang="en-US" sz="1600" dirty="0" smtClean="0"/>
+              <a:rPr lang="en-US" sz="1600" dirty="0"/>
               <a:t>1k</a:t>
             </a:r>
-            <a:endParaRPr lang="en-US" sz="1600" dirty="0"/>
           </a:p>
         </p:txBody>
       </p:sp>
@@ -4088,7 +4074,7 @@
         </p:nvSpPr>
         <p:spPr>
           <a:xfrm>
-            <a:off x="9499501" y="4812555"/>
+            <a:off x="9326975" y="5752831"/>
             <a:ext cx="114500" cy="114740"/>
           </a:xfrm>
           <a:prstGeom prst="ellipse">
@@ -4134,8 +4120,8 @@
         </p:nvSpPr>
         <p:spPr>
           <a:xfrm>
-            <a:off x="9074633" y="4493855"/>
-            <a:ext cx="978153" cy="338554"/>
+            <a:off x="8672482" y="5390053"/>
+            <a:ext cx="1436612" cy="338554"/>
           </a:xfrm>
           <a:prstGeom prst="rect">
             <a:avLst/>
@@ -4149,10 +4135,9 @@
           <a:lstStyle/>
           <a:p>
             <a:r>
-              <a:rPr lang="en-US" sz="1600" dirty="0" smtClean="0"/>
-              <a:t>R_IS, L_IS</a:t>
-            </a:r>
-            <a:endParaRPr lang="en-US" sz="1600" dirty="0"/>
+              <a:rPr lang="en-US" sz="1600" dirty="0"/>
+              <a:t>R_IS(5), L_IS(6)</a:t>
+            </a:r>
           </a:p>
         </p:txBody>
       </p:sp>
@@ -4164,7 +4149,7 @@
         </p:nvCxnSpPr>
         <p:spPr>
           <a:xfrm flipV="1">
-            <a:off x="10130673" y="4859780"/>
+            <a:off x="9958147" y="5800056"/>
             <a:ext cx="556" cy="848380"/>
           </a:xfrm>
           <a:prstGeom prst="straightConnector1">
@@ -4200,7 +4185,7 @@
         </p:nvCxnSpPr>
         <p:spPr>
           <a:xfrm flipH="1">
-            <a:off x="9953204" y="4859780"/>
+            <a:off x="9780678" y="5800056"/>
             <a:ext cx="283465" cy="0"/>
           </a:xfrm>
           <a:prstGeom prst="line">
@@ -4235,7 +4220,7 @@
         </p:nvCxnSpPr>
         <p:spPr>
           <a:xfrm flipH="1">
-            <a:off x="9969388" y="5716251"/>
+            <a:off x="9796862" y="6656527"/>
             <a:ext cx="283465" cy="0"/>
           </a:xfrm>
           <a:prstGeom prst="line">
@@ -4270,7 +4255,7 @@
         </p:nvSpPr>
         <p:spPr>
           <a:xfrm>
-            <a:off x="10271813" y="4679748"/>
+            <a:off x="10099287" y="5620024"/>
             <a:ext cx="1574470" cy="584775"/>
           </a:xfrm>
           <a:prstGeom prst="rect">
@@ -4285,55 +4270,16 @@
           <a:lstStyle/>
           <a:p>
             <a:r>
-              <a:rPr lang="en-US" sz="1600" dirty="0" err="1" smtClean="0"/>
+              <a:rPr lang="en-US" sz="1600" dirty="0" err="1"/>
               <a:t>Vout</a:t>
             </a:r>
-            <a:endParaRPr lang="en-US" sz="1600" dirty="0" smtClean="0"/>
-          </a:p>
-          <a:p>
-            <a:r>
-              <a:rPr lang="en-US" sz="1600" dirty="0" smtClean="0"/>
+            <a:endParaRPr lang="en-US" sz="1600" dirty="0"/>
+          </a:p>
+          <a:p>
+            <a:r>
+              <a:rPr lang="en-US" sz="1600" dirty="0"/>
               <a:t>(0-5)V -&gt; (0-43)A</a:t>
             </a:r>
-            <a:endParaRPr lang="en-US" sz="1600" dirty="0"/>
-          </a:p>
-        </p:txBody>
-      </p:sp>
-      <p:sp>
-        <p:nvSpPr>
-          <p:cNvPr id="140" name="TextBox 139"/>
-          <p:cNvSpPr txBox="1"/>
-          <p:nvPr/>
-        </p:nvSpPr>
-        <p:spPr>
-          <a:xfrm>
-            <a:off x="4705188" y="3199246"/>
-            <a:ext cx="300082" cy="369332"/>
-          </a:xfrm>
-          <a:prstGeom prst="rect">
-            <a:avLst/>
-          </a:prstGeom>
-          <a:noFill/>
-        </p:spPr>
-        <p:txBody>
-          <a:bodyPr wrap="none" rtlCol="0">
-            <a:spAutoFit/>
-          </a:bodyPr>
-          <a:lstStyle/>
-          <a:p>
-            <a:r>
-              <a:rPr lang="en-US" dirty="0" smtClean="0">
-                <a:solidFill>
-                  <a:srgbClr val="FF0000"/>
-                </a:solidFill>
-              </a:rPr>
-              <a:t>*</a:t>
-            </a:r>
-            <a:endParaRPr lang="en-US" dirty="0">
-              <a:solidFill>
-                <a:srgbClr val="FF0000"/>
-              </a:solidFill>
-            </a:endParaRPr>
           </a:p>
         </p:txBody>
       </p:sp>
@@ -4629,6 +4575,551 @@
           </a:p>
         </p:txBody>
       </p:sp>
+      <p:cxnSp>
+        <p:nvCxnSpPr>
+          <p:cNvPr id="2" name="Straight Connector 1">
+            <a:extLst>
+              <a:ext uri="{FF2B5EF4-FFF2-40B4-BE49-F238E27FC236}">
+                <a16:creationId xmlns:a16="http://schemas.microsoft.com/office/drawing/2014/main" id="{6ECFE0F7-B41E-90D5-50D0-204B6D586397}"/>
+              </a:ext>
+            </a:extLst>
+          </p:cNvPr>
+          <p:cNvCxnSpPr>
+            <a:cxnSpLocks/>
+          </p:cNvCxnSpPr>
+          <p:nvPr/>
+        </p:nvCxnSpPr>
+        <p:spPr>
+          <a:xfrm>
+            <a:off x="3891672" y="3595362"/>
+            <a:ext cx="337859" cy="0"/>
+          </a:xfrm>
+          <a:prstGeom prst="line">
+            <a:avLst/>
+          </a:prstGeom>
+          <a:ln w="38100">
+            <a:solidFill>
+              <a:schemeClr val="accent4">
+                <a:lumMod val="75000"/>
+              </a:schemeClr>
+            </a:solidFill>
+          </a:ln>
+        </p:spPr>
+        <p:style>
+          <a:lnRef idx="1">
+            <a:schemeClr val="accent1"/>
+          </a:lnRef>
+          <a:fillRef idx="0">
+            <a:schemeClr val="accent1"/>
+          </a:fillRef>
+          <a:effectRef idx="0">
+            <a:schemeClr val="accent1"/>
+          </a:effectRef>
+          <a:fontRef idx="minor">
+            <a:schemeClr val="tx1"/>
+          </a:fontRef>
+        </p:style>
+      </p:cxnSp>
+      <p:cxnSp>
+        <p:nvCxnSpPr>
+          <p:cNvPr id="20" name="Straight Connector 19">
+            <a:extLst>
+              <a:ext uri="{FF2B5EF4-FFF2-40B4-BE49-F238E27FC236}">
+                <a16:creationId xmlns:a16="http://schemas.microsoft.com/office/drawing/2014/main" id="{94B9A4A1-FED6-D3BE-F77C-56315A55D564}"/>
+              </a:ext>
+            </a:extLst>
+          </p:cNvPr>
+          <p:cNvCxnSpPr>
+            <a:cxnSpLocks/>
+          </p:cNvCxnSpPr>
+          <p:nvPr/>
+        </p:nvCxnSpPr>
+        <p:spPr>
+          <a:xfrm flipH="1" flipV="1">
+            <a:off x="4229531" y="3429000"/>
+            <a:ext cx="3653" cy="182203"/>
+          </a:xfrm>
+          <a:prstGeom prst="line">
+            <a:avLst/>
+          </a:prstGeom>
+          <a:ln w="38100">
+            <a:solidFill>
+              <a:schemeClr val="accent4">
+                <a:lumMod val="75000"/>
+              </a:schemeClr>
+            </a:solidFill>
+          </a:ln>
+        </p:spPr>
+        <p:style>
+          <a:lnRef idx="1">
+            <a:schemeClr val="accent1"/>
+          </a:lnRef>
+          <a:fillRef idx="0">
+            <a:schemeClr val="accent1"/>
+          </a:fillRef>
+          <a:effectRef idx="0">
+            <a:schemeClr val="accent1"/>
+          </a:effectRef>
+          <a:fontRef idx="minor">
+            <a:schemeClr val="tx1"/>
+          </a:fontRef>
+        </p:style>
+      </p:cxnSp>
+      <p:cxnSp>
+        <p:nvCxnSpPr>
+          <p:cNvPr id="29" name="Straight Connector 28">
+            <a:extLst>
+              <a:ext uri="{FF2B5EF4-FFF2-40B4-BE49-F238E27FC236}">
+                <a16:creationId xmlns:a16="http://schemas.microsoft.com/office/drawing/2014/main" id="{840A128A-D70E-006E-D7B7-75909CD6A62F}"/>
+              </a:ext>
+            </a:extLst>
+          </p:cNvPr>
+          <p:cNvCxnSpPr>
+            <a:cxnSpLocks/>
+          </p:cNvCxnSpPr>
+          <p:nvPr/>
+        </p:nvCxnSpPr>
+        <p:spPr>
+          <a:xfrm>
+            <a:off x="5070142" y="2832973"/>
+            <a:ext cx="6631" cy="627125"/>
+          </a:xfrm>
+          <a:prstGeom prst="line">
+            <a:avLst/>
+          </a:prstGeom>
+          <a:ln w="38100">
+            <a:solidFill>
+              <a:srgbClr val="7030A0"/>
+            </a:solidFill>
+            <a:prstDash val="sysDot"/>
+          </a:ln>
+        </p:spPr>
+        <p:style>
+          <a:lnRef idx="1">
+            <a:schemeClr val="accent1"/>
+          </a:lnRef>
+          <a:fillRef idx="0">
+            <a:schemeClr val="accent1"/>
+          </a:fillRef>
+          <a:effectRef idx="0">
+            <a:schemeClr val="accent1"/>
+          </a:effectRef>
+          <a:fontRef idx="minor">
+            <a:schemeClr val="tx1"/>
+          </a:fontRef>
+        </p:style>
+      </p:cxnSp>
+      <p:sp>
+        <p:nvSpPr>
+          <p:cNvPr id="32" name="Oval 31">
+            <a:extLst>
+              <a:ext uri="{FF2B5EF4-FFF2-40B4-BE49-F238E27FC236}">
+                <a16:creationId xmlns:a16="http://schemas.microsoft.com/office/drawing/2014/main" id="{0B95E9DD-49E6-3D09-1A2D-69AF42CB292E}"/>
+              </a:ext>
+            </a:extLst>
+          </p:cNvPr>
+          <p:cNvSpPr/>
+          <p:nvPr/>
+        </p:nvSpPr>
+        <p:spPr>
+          <a:xfrm>
+            <a:off x="5031649" y="2787637"/>
+            <a:ext cx="67252" cy="69730"/>
+          </a:xfrm>
+          <a:prstGeom prst="ellipse">
+            <a:avLst/>
+          </a:prstGeom>
+          <a:solidFill>
+            <a:srgbClr val="FF0000"/>
+          </a:solidFill>
+          <a:ln>
+            <a:solidFill>
+              <a:srgbClr val="FF0000"/>
+            </a:solidFill>
+          </a:ln>
+        </p:spPr>
+        <p:style>
+          <a:lnRef idx="2">
+            <a:schemeClr val="dk1">
+              <a:shade val="50000"/>
+            </a:schemeClr>
+          </a:lnRef>
+          <a:fillRef idx="1">
+            <a:schemeClr val="dk1"/>
+          </a:fillRef>
+          <a:effectRef idx="0">
+            <a:schemeClr val="dk1"/>
+          </a:effectRef>
+          <a:fontRef idx="minor">
+            <a:schemeClr val="lt1"/>
+          </a:fontRef>
+        </p:style>
+        <p:txBody>
+          <a:bodyPr rtlCol="0" anchor="ctr"/>
+          <a:lstStyle/>
+          <a:p>
+            <a:pPr algn="ctr"/>
+            <a:endParaRPr lang="en-US"/>
+          </a:p>
+        </p:txBody>
+      </p:sp>
+      <p:sp>
+        <p:nvSpPr>
+          <p:cNvPr id="34" name="TextBox 33">
+            <a:extLst>
+              <a:ext uri="{FF2B5EF4-FFF2-40B4-BE49-F238E27FC236}">
+                <a16:creationId xmlns:a16="http://schemas.microsoft.com/office/drawing/2014/main" id="{A47C1CE1-191B-F18C-F6A3-C4D73DFF1578}"/>
+              </a:ext>
+            </a:extLst>
+          </p:cNvPr>
+          <p:cNvSpPr txBox="1"/>
+          <p:nvPr/>
+        </p:nvSpPr>
+        <p:spPr>
+          <a:xfrm>
+            <a:off x="138181" y="5795560"/>
+            <a:ext cx="6949338" cy="954107"/>
+          </a:xfrm>
+          <a:prstGeom prst="rect">
+            <a:avLst/>
+          </a:prstGeom>
+          <a:noFill/>
+        </p:spPr>
+        <p:txBody>
+          <a:bodyPr wrap="none" rtlCol="0">
+            <a:spAutoFit/>
+          </a:bodyPr>
+          <a:lstStyle/>
+          <a:p>
+            <a:r>
+              <a:rPr lang="en-US" sz="1400" dirty="0"/>
+              <a:t>Note - there are 3 ways to connect motor (PWM) enable pins:</a:t>
+            </a:r>
+          </a:p>
+          <a:p>
+            <a:r>
+              <a:rPr lang="en-US" sz="1400" dirty="0"/>
+              <a:t>[1] standard pinout (motor always ON)</a:t>
+            </a:r>
+          </a:p>
+          <a:p>
+            <a:r>
+              <a:rPr lang="en-US" sz="1400" dirty="0"/>
+              <a:t>[2] advanced pinout (motor OFF when PWM is 0, only in fw-v24X)</a:t>
+            </a:r>
+          </a:p>
+          <a:p>
+            <a:r>
+              <a:rPr lang="en-US" sz="1400" dirty="0"/>
+              <a:t>[3] wiring trick pinout (back EMF is used to switch motor ON/OFF, use with extreme caution)</a:t>
+            </a:r>
+          </a:p>
+        </p:txBody>
+      </p:sp>
+      <p:cxnSp>
+        <p:nvCxnSpPr>
+          <p:cNvPr id="36" name="Straight Connector 35">
+            <a:extLst>
+              <a:ext uri="{FF2B5EF4-FFF2-40B4-BE49-F238E27FC236}">
+                <a16:creationId xmlns:a16="http://schemas.microsoft.com/office/drawing/2014/main" id="{35C467BB-FA8C-258C-8753-2A07C78BD835}"/>
+              </a:ext>
+            </a:extLst>
+          </p:cNvPr>
+          <p:cNvCxnSpPr>
+            <a:cxnSpLocks/>
+          </p:cNvCxnSpPr>
+          <p:nvPr/>
+        </p:nvCxnSpPr>
+        <p:spPr>
+          <a:xfrm>
+            <a:off x="4229531" y="3445521"/>
+            <a:ext cx="476153" cy="0"/>
+          </a:xfrm>
+          <a:prstGeom prst="line">
+            <a:avLst/>
+          </a:prstGeom>
+          <a:ln w="38100">
+            <a:solidFill>
+              <a:schemeClr val="accent4">
+                <a:lumMod val="75000"/>
+              </a:schemeClr>
+            </a:solidFill>
+          </a:ln>
+        </p:spPr>
+        <p:style>
+          <a:lnRef idx="1">
+            <a:schemeClr val="accent1"/>
+          </a:lnRef>
+          <a:fillRef idx="0">
+            <a:schemeClr val="accent1"/>
+          </a:fillRef>
+          <a:effectRef idx="0">
+            <a:schemeClr val="accent1"/>
+          </a:effectRef>
+          <a:fontRef idx="minor">
+            <a:schemeClr val="tx1"/>
+          </a:fontRef>
+        </p:style>
+      </p:cxnSp>
+      <p:sp>
+        <p:nvSpPr>
+          <p:cNvPr id="38" name="Oval 37">
+            <a:extLst>
+              <a:ext uri="{FF2B5EF4-FFF2-40B4-BE49-F238E27FC236}">
+                <a16:creationId xmlns:a16="http://schemas.microsoft.com/office/drawing/2014/main" id="{109B4CD3-6AC9-80D4-FAD0-79446ACB6702}"/>
+              </a:ext>
+            </a:extLst>
+          </p:cNvPr>
+          <p:cNvSpPr/>
+          <p:nvPr/>
+        </p:nvSpPr>
+        <p:spPr>
+          <a:xfrm>
+            <a:off x="5041151" y="3413979"/>
+            <a:ext cx="67252" cy="69730"/>
+          </a:xfrm>
+          <a:prstGeom prst="ellipse">
+            <a:avLst/>
+          </a:prstGeom>
+          <a:solidFill>
+            <a:srgbClr val="FF0000"/>
+          </a:solidFill>
+          <a:ln>
+            <a:solidFill>
+              <a:srgbClr val="FF0000"/>
+            </a:solidFill>
+          </a:ln>
+        </p:spPr>
+        <p:style>
+          <a:lnRef idx="2">
+            <a:schemeClr val="dk1">
+              <a:shade val="50000"/>
+            </a:schemeClr>
+          </a:lnRef>
+          <a:fillRef idx="1">
+            <a:schemeClr val="dk1"/>
+          </a:fillRef>
+          <a:effectRef idx="0">
+            <a:schemeClr val="dk1"/>
+          </a:effectRef>
+          <a:fontRef idx="minor">
+            <a:schemeClr val="lt1"/>
+          </a:fontRef>
+        </p:style>
+        <p:txBody>
+          <a:bodyPr rtlCol="0" anchor="ctr"/>
+          <a:lstStyle/>
+          <a:p>
+            <a:pPr algn="ctr"/>
+            <a:endParaRPr lang="en-US"/>
+          </a:p>
+        </p:txBody>
+      </p:sp>
+      <p:sp>
+        <p:nvSpPr>
+          <p:cNvPr id="53" name="TextBox 52">
+            <a:extLst>
+              <a:ext uri="{FF2B5EF4-FFF2-40B4-BE49-F238E27FC236}">
+                <a16:creationId xmlns:a16="http://schemas.microsoft.com/office/drawing/2014/main" id="{8B656FEB-53BA-83A9-B86C-5E897C764FE5}"/>
+              </a:ext>
+            </a:extLst>
+          </p:cNvPr>
+          <p:cNvSpPr txBox="1"/>
+          <p:nvPr/>
+        </p:nvSpPr>
+        <p:spPr>
+          <a:xfrm>
+            <a:off x="4640632" y="2820763"/>
+            <a:ext cx="385042" cy="307777"/>
+          </a:xfrm>
+          <a:prstGeom prst="rect">
+            <a:avLst/>
+          </a:prstGeom>
+          <a:noFill/>
+        </p:spPr>
+        <p:txBody>
+          <a:bodyPr wrap="none" rtlCol="0">
+            <a:spAutoFit/>
+          </a:bodyPr>
+          <a:lstStyle/>
+          <a:p>
+            <a:r>
+              <a:rPr lang="en-US" sz="1400" dirty="0">
+                <a:solidFill>
+                  <a:srgbClr val="7030A0"/>
+                </a:solidFill>
+              </a:rPr>
+              <a:t>[3]</a:t>
+            </a:r>
+          </a:p>
+        </p:txBody>
+      </p:sp>
+      <p:cxnSp>
+        <p:nvCxnSpPr>
+          <p:cNvPr id="57" name="Straight Connector 56">
+            <a:extLst>
+              <a:ext uri="{FF2B5EF4-FFF2-40B4-BE49-F238E27FC236}">
+                <a16:creationId xmlns:a16="http://schemas.microsoft.com/office/drawing/2014/main" id="{41AD8221-E819-EC35-D5F3-4BE471F11FBD}"/>
+              </a:ext>
+            </a:extLst>
+          </p:cNvPr>
+          <p:cNvCxnSpPr>
+            <a:cxnSpLocks/>
+          </p:cNvCxnSpPr>
+          <p:nvPr/>
+        </p:nvCxnSpPr>
+        <p:spPr>
+          <a:xfrm>
+            <a:off x="5073457" y="2463113"/>
+            <a:ext cx="0" cy="359389"/>
+          </a:xfrm>
+          <a:prstGeom prst="line">
+            <a:avLst/>
+          </a:prstGeom>
+          <a:ln w="38100">
+            <a:solidFill>
+              <a:srgbClr val="FF0000"/>
+            </a:solidFill>
+            <a:prstDash val="sysDot"/>
+          </a:ln>
+        </p:spPr>
+        <p:style>
+          <a:lnRef idx="1">
+            <a:schemeClr val="accent1"/>
+          </a:lnRef>
+          <a:fillRef idx="0">
+            <a:schemeClr val="accent1"/>
+          </a:fillRef>
+          <a:effectRef idx="0">
+            <a:schemeClr val="accent1"/>
+          </a:effectRef>
+          <a:fontRef idx="minor">
+            <a:schemeClr val="tx1"/>
+          </a:fontRef>
+        </p:style>
+      </p:cxnSp>
+      <p:cxnSp>
+        <p:nvCxnSpPr>
+          <p:cNvPr id="63" name="Straight Connector 62">
+            <a:extLst>
+              <a:ext uri="{FF2B5EF4-FFF2-40B4-BE49-F238E27FC236}">
+                <a16:creationId xmlns:a16="http://schemas.microsoft.com/office/drawing/2014/main" id="{791DAFD7-095F-3C11-A2B2-4BFDF47DCB02}"/>
+              </a:ext>
+            </a:extLst>
+          </p:cNvPr>
+          <p:cNvCxnSpPr>
+            <a:cxnSpLocks/>
+          </p:cNvCxnSpPr>
+          <p:nvPr/>
+        </p:nvCxnSpPr>
+        <p:spPr>
+          <a:xfrm>
+            <a:off x="4705684" y="3445521"/>
+            <a:ext cx="344681" cy="0"/>
+          </a:xfrm>
+          <a:prstGeom prst="line">
+            <a:avLst/>
+          </a:prstGeom>
+          <a:ln w="38100">
+            <a:solidFill>
+              <a:schemeClr val="accent4">
+                <a:lumMod val="75000"/>
+              </a:schemeClr>
+            </a:solidFill>
+            <a:prstDash val="sysDot"/>
+          </a:ln>
+        </p:spPr>
+        <p:style>
+          <a:lnRef idx="1">
+            <a:schemeClr val="accent1"/>
+          </a:lnRef>
+          <a:fillRef idx="0">
+            <a:schemeClr val="accent1"/>
+          </a:fillRef>
+          <a:effectRef idx="0">
+            <a:schemeClr val="accent1"/>
+          </a:effectRef>
+          <a:fontRef idx="minor">
+            <a:schemeClr val="tx1"/>
+          </a:fontRef>
+        </p:style>
+      </p:cxnSp>
+      <p:sp>
+        <p:nvSpPr>
+          <p:cNvPr id="64" name="TextBox 63">
+            <a:extLst>
+              <a:ext uri="{FF2B5EF4-FFF2-40B4-BE49-F238E27FC236}">
+                <a16:creationId xmlns:a16="http://schemas.microsoft.com/office/drawing/2014/main" id="{3D919049-66CF-748B-7DFD-2A400997FB95}"/>
+              </a:ext>
+            </a:extLst>
+          </p:cNvPr>
+          <p:cNvSpPr txBox="1"/>
+          <p:nvPr/>
+        </p:nvSpPr>
+        <p:spPr>
+          <a:xfrm>
+            <a:off x="4637937" y="3135873"/>
+            <a:ext cx="385042" cy="307777"/>
+          </a:xfrm>
+          <a:prstGeom prst="rect">
+            <a:avLst/>
+          </a:prstGeom>
+          <a:noFill/>
+        </p:spPr>
+        <p:txBody>
+          <a:bodyPr wrap="none" rtlCol="0">
+            <a:spAutoFit/>
+          </a:bodyPr>
+          <a:lstStyle/>
+          <a:p>
+            <a:r>
+              <a:rPr lang="en-US" sz="1400" dirty="0">
+                <a:solidFill>
+                  <a:schemeClr val="accent4">
+                    <a:lumMod val="75000"/>
+                  </a:schemeClr>
+                </a:solidFill>
+              </a:rPr>
+              <a:t>[2]</a:t>
+            </a:r>
+          </a:p>
+        </p:txBody>
+      </p:sp>
+      <p:sp>
+        <p:nvSpPr>
+          <p:cNvPr id="65" name="TextBox 64">
+            <a:extLst>
+              <a:ext uri="{FF2B5EF4-FFF2-40B4-BE49-F238E27FC236}">
+                <a16:creationId xmlns:a16="http://schemas.microsoft.com/office/drawing/2014/main" id="{5B54ACA5-51F3-0AED-B8F6-28E1A9678FDB}"/>
+              </a:ext>
+            </a:extLst>
+          </p:cNvPr>
+          <p:cNvSpPr txBox="1"/>
+          <p:nvPr/>
+        </p:nvSpPr>
+        <p:spPr>
+          <a:xfrm>
+            <a:off x="4639796" y="2157207"/>
+            <a:ext cx="385042" cy="307777"/>
+          </a:xfrm>
+          <a:prstGeom prst="rect">
+            <a:avLst/>
+          </a:prstGeom>
+          <a:noFill/>
+        </p:spPr>
+        <p:txBody>
+          <a:bodyPr wrap="none" rtlCol="0">
+            <a:spAutoFit/>
+          </a:bodyPr>
+          <a:lstStyle/>
+          <a:p>
+            <a:r>
+              <a:rPr lang="en-US" sz="1400" dirty="0"/>
+              <a:t>[1]</a:t>
+            </a:r>
+          </a:p>
+        </p:txBody>
+      </p:sp>
     </p:spTree>
     <p:extLst>
       <p:ext uri="{BB962C8B-B14F-4D97-AF65-F5344CB8AC3E}">
@@ -4639,13 +5130,6 @@
   <p:clrMapOvr>
     <a:masterClrMapping/>
   </p:clrMapOvr>
-  <p:timing>
-    <p:tnLst>
-      <p:par>
-        <p:cTn id="1" dur="indefinite" restart="never" nodeType="tmRoot"/>
-      </p:par>
-    </p:tnLst>
-  </p:timing>
 </p:sld>
 </file>
 

--- a/brWheel_my/wirings/bts7960_wiring_diagram.pptx
+++ b/brWheel_my/wirings/bts7960_wiring_diagram.pptx
@@ -241,7 +241,7 @@
           <a:p>
             <a:fld id="{A398FB1A-F8C3-427F-BE44-B87966AC4D7F}" type="datetimeFigureOut">
               <a:rPr lang="en-US" smtClean="0"/>
-              <a:t>10-Sep-24</a:t>
+              <a:t>19-Mar-25</a:t>
             </a:fld>
             <a:endParaRPr lang="en-US"/>
           </a:p>
@@ -409,7 +409,7 @@
           <a:p>
             <a:fld id="{A398FB1A-F8C3-427F-BE44-B87966AC4D7F}" type="datetimeFigureOut">
               <a:rPr lang="en-US" smtClean="0"/>
-              <a:t>10-Sep-24</a:t>
+              <a:t>19-Mar-25</a:t>
             </a:fld>
             <a:endParaRPr lang="en-US"/>
           </a:p>
@@ -587,7 +587,7 @@
           <a:p>
             <a:fld id="{A398FB1A-F8C3-427F-BE44-B87966AC4D7F}" type="datetimeFigureOut">
               <a:rPr lang="en-US" smtClean="0"/>
-              <a:t>10-Sep-24</a:t>
+              <a:t>19-Mar-25</a:t>
             </a:fld>
             <a:endParaRPr lang="en-US"/>
           </a:p>
@@ -755,7 +755,7 @@
           <a:p>
             <a:fld id="{A398FB1A-F8C3-427F-BE44-B87966AC4D7F}" type="datetimeFigureOut">
               <a:rPr lang="en-US" smtClean="0"/>
-              <a:t>10-Sep-24</a:t>
+              <a:t>19-Mar-25</a:t>
             </a:fld>
             <a:endParaRPr lang="en-US"/>
           </a:p>
@@ -1000,7 +1000,7 @@
           <a:p>
             <a:fld id="{A398FB1A-F8C3-427F-BE44-B87966AC4D7F}" type="datetimeFigureOut">
               <a:rPr lang="en-US" smtClean="0"/>
-              <a:t>10-Sep-24</a:t>
+              <a:t>19-Mar-25</a:t>
             </a:fld>
             <a:endParaRPr lang="en-US"/>
           </a:p>
@@ -1229,7 +1229,7 @@
           <a:p>
             <a:fld id="{A398FB1A-F8C3-427F-BE44-B87966AC4D7F}" type="datetimeFigureOut">
               <a:rPr lang="en-US" smtClean="0"/>
-              <a:t>10-Sep-24</a:t>
+              <a:t>19-Mar-25</a:t>
             </a:fld>
             <a:endParaRPr lang="en-US"/>
           </a:p>
@@ -1593,7 +1593,7 @@
           <a:p>
             <a:fld id="{A398FB1A-F8C3-427F-BE44-B87966AC4D7F}" type="datetimeFigureOut">
               <a:rPr lang="en-US" smtClean="0"/>
-              <a:t>10-Sep-24</a:t>
+              <a:t>19-Mar-25</a:t>
             </a:fld>
             <a:endParaRPr lang="en-US"/>
           </a:p>
@@ -1710,7 +1710,7 @@
           <a:p>
             <a:fld id="{A398FB1A-F8C3-427F-BE44-B87966AC4D7F}" type="datetimeFigureOut">
               <a:rPr lang="en-US" smtClean="0"/>
-              <a:t>10-Sep-24</a:t>
+              <a:t>19-Mar-25</a:t>
             </a:fld>
             <a:endParaRPr lang="en-US"/>
           </a:p>
@@ -1805,7 +1805,7 @@
           <a:p>
             <a:fld id="{A398FB1A-F8C3-427F-BE44-B87966AC4D7F}" type="datetimeFigureOut">
               <a:rPr lang="en-US" smtClean="0"/>
-              <a:t>10-Sep-24</a:t>
+              <a:t>19-Mar-25</a:t>
             </a:fld>
             <a:endParaRPr lang="en-US"/>
           </a:p>
@@ -2080,7 +2080,7 @@
           <a:p>
             <a:fld id="{A398FB1A-F8C3-427F-BE44-B87966AC4D7F}" type="datetimeFigureOut">
               <a:rPr lang="en-US" smtClean="0"/>
-              <a:t>10-Sep-24</a:t>
+              <a:t>19-Mar-25</a:t>
             </a:fld>
             <a:endParaRPr lang="en-US"/>
           </a:p>
@@ -2332,7 +2332,7 @@
           <a:p>
             <a:fld id="{A398FB1A-F8C3-427F-BE44-B87966AC4D7F}" type="datetimeFigureOut">
               <a:rPr lang="en-US" smtClean="0"/>
-              <a:t>10-Sep-24</a:t>
+              <a:t>19-Mar-25</a:t>
             </a:fld>
             <a:endParaRPr lang="en-US"/>
           </a:p>
@@ -2543,7 +2543,7 @@
           <a:p>
             <a:fld id="{A398FB1A-F8C3-427F-BE44-B87966AC4D7F}" type="datetimeFigureOut">
               <a:rPr lang="en-US" smtClean="0"/>
-              <a:t>10-Sep-24</a:t>
+              <a:t>19-Mar-25</a:t>
             </a:fld>
             <a:endParaRPr lang="en-US"/>
           </a:p>
@@ -3145,7 +3145,7 @@
             <a:pPr algn="ctr"/>
             <a:r>
               <a:rPr lang="en-US" dirty="0"/>
-              <a:t>Wiring diagram for H-bridge motor driver (valid for firmware in PWM± mode, except fw-vXX3)</a:t>
+              <a:t>Wiring diagram for single H-bridge motor driver (valid for PWM± mode, with 1 FFB axis, v250)</a:t>
             </a:r>
           </a:p>
         </p:txBody>
